--- a/muhammad-fahad-948477 data viz project.pptx
+++ b/muhammad-fahad-948477 data viz project.pptx
@@ -17483,8 +17483,24 @@
                 </a:solidFill>
                 <a:latin typeface="Aptos" panose="020B0004020202020204" pitchFamily="34" charset="0"/>
               </a:rPr>
-              <a:t>Python (Pandas for manipulation, Matplotlib/Seaborn for static charts) and OpenStreetMap 	API (for geospatial enrichment).</a:t>
+              <a:t>Python (Pandas for manipulation, Matplotlib/Seaborn for static charts) and OpenStreetMap 	API (for geospatial enrichment). Code available at </a:t>
             </a:r>
+            <a:r>
+              <a:rPr lang="en-US" dirty="0">
+                <a:solidFill>
+                  <a:schemeClr val="dk1"/>
+                </a:solidFill>
+                <a:latin typeface="Aptos" panose="020B0004020202020204" pitchFamily="34" charset="0"/>
+                <a:hlinkClick r:id="rId3"/>
+              </a:rPr>
+              <a:t>GitHub</a:t>
+            </a:r>
+            <a:endParaRPr lang="en-US" dirty="0">
+              <a:solidFill>
+                <a:schemeClr val="dk1"/>
+              </a:solidFill>
+              <a:latin typeface="Aptos" panose="020B0004020202020204" pitchFamily="34" charset="0"/>
+            </a:endParaRPr>
           </a:p>
           <a:p>
             <a:pPr marL="91440" lvl="1">

--- a/muhammad-fahad-948477 data viz project.pptx
+++ b/muhammad-fahad-948477 data viz project.pptx
@@ -19150,7 +19150,7 @@
               <a:buNone/>
             </a:pPr>
             <a:r>
-              <a:rPr lang="en-US" b="1" dirty="0">
+              <a:rPr lang="en-US" b="1">
                 <a:solidFill>
                   <a:srgbClr val="222222"/>
                 </a:solidFill>
@@ -19159,7 +19159,19 @@
                 </a:highlight>
                 <a:latin typeface="Aptos" panose="020B0004020202020204" pitchFamily="34" charset="0"/>
               </a:rPr>
-              <a:t>The Brand' Premium:</a:t>
+              <a:t>The ‘Brand’ </a:t>
+            </a:r>
+            <a:r>
+              <a:rPr lang="en-US" b="1" dirty="0">
+                <a:solidFill>
+                  <a:srgbClr val="222222"/>
+                </a:solidFill>
+                <a:highlight>
+                  <a:srgbClr val="FFFFFF"/>
+                </a:highlight>
+                <a:latin typeface="Aptos" panose="020B0004020202020204" pitchFamily="34" charset="0"/>
+              </a:rPr>
+              <a:t>Premium:</a:t>
             </a:r>
             <a:endParaRPr b="1" dirty="0">
               <a:latin typeface="Aptos" panose="020B0004020202020204" pitchFamily="34" charset="0"/>
